--- a/PlayStore.pptx
+++ b/PlayStore.pptx
@@ -5,7 +5,7 @@
     <p:sldMasterId id="2147483673" r:id="rId1"/>
   </p:sldMasterIdLst>
   <p:notesMasterIdLst>
-    <p:notesMasterId r:id="rId36"/>
+    <p:notesMasterId r:id="rId37"/>
   </p:notesMasterIdLst>
   <p:sldIdLst>
     <p:sldId id="256" r:id="rId2"/>
@@ -41,15 +41,16 @@
     <p:sldId id="331" r:id="rId32"/>
     <p:sldId id="352" r:id="rId33"/>
     <p:sldId id="357" r:id="rId34"/>
-    <p:sldId id="311" r:id="rId35"/>
+    <p:sldId id="359" r:id="rId35"/>
+    <p:sldId id="311" r:id="rId36"/>
   </p:sldIdLst>
   <p:sldSz cx="9144000" cy="5143500" type="screen16x9"/>
   <p:notesSz cx="6858000" cy="9144000"/>
   <p:embeddedFontLst>
     <p:embeddedFont>
       <p:font typeface="Encode Sans Semi Condensed" panose="02010600030101010101" charset="0"/>
-      <p:regular r:id="rId37"/>
-      <p:bold r:id="rId38"/>
+      <p:regular r:id="rId38"/>
+      <p:bold r:id="rId39"/>
     </p:embeddedFont>
   </p:embeddedFontLst>
   <p:defaultTextStyle>
@@ -513,6 +514,34 @@
 </inkml:ink>
 </file>
 
+<file path=ppt/ink/ink9.xml><?xml version="1.0" encoding="utf-8"?>
+<inkml:ink xmlns:inkml="http://www.w3.org/2003/InkML">
+  <inkml:definitions>
+    <inkml:context xml:id="ctx0">
+      <inkml:inkSource xml:id="inkSrc0">
+        <inkml:traceFormat>
+          <inkml:channel name="X" type="integer" min="-2.14748E9" max="2.14748E9" units="cm"/>
+          <inkml:channel name="Y" type="integer" min="-2.14748E9" max="2.14748E9" units="cm"/>
+          <inkml:channel name="F" type="integer" max="32767" units="dev"/>
+        </inkml:traceFormat>
+        <inkml:channelProperties>
+          <inkml:channelProperty channel="X" name="resolution" value="1000" units="1/cm"/>
+          <inkml:channelProperty channel="Y" name="resolution" value="1000" units="1/cm"/>
+          <inkml:channelProperty channel="F" name="resolution" value="0" units="1/dev"/>
+        </inkml:channelProperties>
+      </inkml:inkSource>
+      <inkml:timestamp xml:id="ts0" timeString="2023-06-29T12:12:02.259"/>
+    </inkml:context>
+    <inkml:brush xml:id="br0">
+      <inkml:brushProperty name="width" value="0.05" units="cm"/>
+      <inkml:brushProperty name="height" value="0.05" units="cm"/>
+      <inkml:brushProperty name="color" value="#FFFFFF"/>
+    </inkml:brush>
+  </inkml:definitions>
+  <inkml:trace contextRef="#ctx0" brushRef="#br0">165 0 24575,'3'0'0,"0"1"0,-1-1 0,1 1 0,0-1 0,-1 1 0,1 0 0,0 0 0,-1 0 0,1 0 0,-1 0 0,1 1 0,-1-1 0,0 1 0,0 0 0,0-1 0,0 1 0,0 0 0,0 0 0,0 1 0,0-1 0,-1 0 0,1 0 0,-1 1 0,0-1 0,0 1 0,0-1 0,0 1 0,0 0 0,0-1 0,-1 1 0,1 0 0,-1-1 0,0 1 0,0 3 0,2 14 0,-2 0 0,0 0 0,-5 33 0,4-40 0,-4 18 0,-2-1 0,-1 1 0,-23 56 0,14-49 0,-2-1 0,-2-1 0,-1 0 0,-36 44 0,32-50-1365,19-22-5461</inkml:trace>
+</inkml:ink>
+</file>
+
 <file path=ppt/notesMasters/notesMaster1.xml><?xml version="1.0" encoding="utf-8"?>
 <p:notesMaster xmlns:a="http://schemas.openxmlformats.org/drawingml/2006/main" xmlns:r="http://schemas.openxmlformats.org/officeDocument/2006/relationships" xmlns:p="http://schemas.openxmlformats.org/presentationml/2006/main">
   <p:cSld>
@@ -3902,6 +3931,115 @@
 </file>
 
 <file path=ppt/notesSlides/notesSlide34.xml><?xml version="1.0" encoding="utf-8"?>
+<p:notes xmlns:a="http://schemas.openxmlformats.org/drawingml/2006/main" xmlns:r="http://schemas.openxmlformats.org/officeDocument/2006/relationships" xmlns:p="http://schemas.openxmlformats.org/presentationml/2006/main" showMasterSp="0" showMasterPhAnim="0">
+  <p:cSld>
+    <p:spTree>
+      <p:nvGrpSpPr>
+        <p:cNvPr id="1" name="Shape 232"/>
+        <p:cNvGrpSpPr/>
+        <p:nvPr/>
+      </p:nvGrpSpPr>
+      <p:grpSpPr>
+        <a:xfrm>
+          <a:off x="0" y="0"/>
+          <a:ext cx="0" cy="0"/>
+          <a:chOff x="0" y="0"/>
+          <a:chExt cx="0" cy="0"/>
+        </a:xfrm>
+      </p:grpSpPr>
+      <p:sp>
+        <p:nvSpPr>
+          <p:cNvPr id="233" name="Google Shape;233;g9fe33d8633_0_40:notes"/>
+          <p:cNvSpPr>
+            <a:spLocks noGrp="1" noRot="1" noChangeAspect="1"/>
+          </p:cNvSpPr>
+          <p:nvPr>
+            <p:ph type="sldImg" idx="2"/>
+          </p:nvPr>
+        </p:nvSpPr>
+        <p:spPr>
+          <a:xfrm>
+            <a:off x="381000" y="685800"/>
+            <a:ext cx="6096000" cy="3429000"/>
+          </a:xfrm>
+          <a:custGeom>
+            <a:avLst/>
+            <a:gdLst/>
+            <a:ahLst/>
+            <a:cxnLst/>
+            <a:rect l="l" t="t" r="r" b="b"/>
+            <a:pathLst>
+              <a:path w="120000" h="120000" extrusionOk="0">
+                <a:moveTo>
+                  <a:pt x="0" y="0"/>
+                </a:moveTo>
+                <a:lnTo>
+                  <a:pt x="120000" y="0"/>
+                </a:lnTo>
+                <a:lnTo>
+                  <a:pt x="120000" y="120000"/>
+                </a:lnTo>
+                <a:lnTo>
+                  <a:pt x="0" y="120000"/>
+                </a:lnTo>
+                <a:close/>
+              </a:path>
+            </a:pathLst>
+          </a:custGeom>
+        </p:spPr>
+      </p:sp>
+      <p:sp>
+        <p:nvSpPr>
+          <p:cNvPr id="234" name="Google Shape;234;g9fe33d8633_0_40:notes"/>
+          <p:cNvSpPr txBox="1">
+            <a:spLocks noGrp="1"/>
+          </p:cNvSpPr>
+          <p:nvPr>
+            <p:ph type="body" idx="1"/>
+          </p:nvPr>
+        </p:nvSpPr>
+        <p:spPr>
+          <a:xfrm>
+            <a:off x="685800" y="4343400"/>
+            <a:ext cx="5486400" cy="4114800"/>
+          </a:xfrm>
+          <a:prstGeom prst="rect">
+            <a:avLst/>
+          </a:prstGeom>
+        </p:spPr>
+        <p:txBody>
+          <a:bodyPr spcFirstLastPara="1" wrap="square" lIns="91425" tIns="91425" rIns="91425" bIns="91425" anchor="t" anchorCtr="0">
+            <a:noAutofit/>
+          </a:bodyPr>
+          <a:lstStyle/>
+          <a:p>
+            <a:pPr marL="0" lvl="0" indent="0" algn="l" rtl="0">
+              <a:spcBef>
+                <a:spcPts val="0"/>
+              </a:spcBef>
+              <a:spcAft>
+                <a:spcPts val="0"/>
+              </a:spcAft>
+              <a:buNone/>
+            </a:pPr>
+            <a:endParaRPr/>
+          </a:p>
+        </p:txBody>
+      </p:sp>
+    </p:spTree>
+    <p:extLst>
+      <p:ext uri="{BB962C8B-B14F-4D97-AF65-F5344CB8AC3E}">
+        <p14:creationId xmlns:p14="http://schemas.microsoft.com/office/powerpoint/2010/main" val="1672194350"/>
+      </p:ext>
+    </p:extLst>
+  </p:cSld>
+  <p:clrMapOvr>
+    <a:masterClrMapping/>
+  </p:clrMapOvr>
+</p:notes>
+</file>
+
+<file path=ppt/notesSlides/notesSlide35.xml><?xml version="1.0" encoding="utf-8"?>
 <p:notes xmlns:a="http://schemas.openxmlformats.org/drawingml/2006/main" xmlns:r="http://schemas.openxmlformats.org/officeDocument/2006/relationships" xmlns:p="http://schemas.openxmlformats.org/presentationml/2006/main" showMasterSp="0" showMasterPhAnim="0">
   <p:cSld>
     <p:spTree>
@@ -8776,9 +8914,10 @@
               <a:buNone/>
             </a:pPr>
             <a:r>
-              <a:rPr lang="en" sz="1800" dirty="0"/>
+              <a:rPr lang="en" sz="1800"/>
               <a:t>EnFan Liu</a:t>
             </a:r>
+            <a:endParaRPr lang="en" sz="1800" dirty="0"/>
           </a:p>
         </p:txBody>
       </p:sp>
@@ -10863,7 +11002,7 @@
             </a:r>
             <a:r>
               <a:rPr lang="en" dirty="0"/>
-              <a:t>nalisi delle recensioni per le differenti tipologie di app</a:t>
+              <a:t>nalisi delle recensioni</a:t>
             </a:r>
             <a:endParaRPr dirty="0"/>
           </a:p>
@@ -14863,6 +15002,712 @@
 </file>
 
 <file path=ppt/slides/slide34.xml><?xml version="1.0" encoding="utf-8"?>
+<p:sld xmlns:a="http://schemas.openxmlformats.org/drawingml/2006/main" xmlns:r="http://schemas.openxmlformats.org/officeDocument/2006/relationships" xmlns:p="http://schemas.openxmlformats.org/presentationml/2006/main">
+  <p:cSld>
+    <p:spTree>
+      <p:nvGrpSpPr>
+        <p:cNvPr id="1" name="Shape 235"/>
+        <p:cNvGrpSpPr/>
+        <p:nvPr/>
+      </p:nvGrpSpPr>
+      <p:grpSpPr>
+        <a:xfrm>
+          <a:off x="0" y="0"/>
+          <a:ext cx="0" cy="0"/>
+          <a:chOff x="0" y="0"/>
+          <a:chExt cx="0" cy="0"/>
+        </a:xfrm>
+      </p:grpSpPr>
+      <p:sp>
+        <p:nvSpPr>
+          <p:cNvPr id="11" name="Rettangolo 10">
+            <a:extLst>
+              <a:ext uri="{FF2B5EF4-FFF2-40B4-BE49-F238E27FC236}">
+                <a16:creationId xmlns:a16="http://schemas.microsoft.com/office/drawing/2014/main" id="{A27F891C-28F2-630B-9DB3-FB04CA85104D}"/>
+              </a:ext>
+            </a:extLst>
+          </p:cNvPr>
+          <p:cNvSpPr/>
+          <p:nvPr/>
+        </p:nvSpPr>
+        <p:spPr>
+          <a:xfrm>
+            <a:off x="3811105" y="741718"/>
+            <a:ext cx="659295" cy="1753832"/>
+          </a:xfrm>
+          <a:prstGeom prst="rect">
+            <a:avLst/>
+          </a:prstGeom>
+          <a:solidFill>
+            <a:schemeClr val="bg1"/>
+          </a:solidFill>
+          <a:ln>
+            <a:solidFill>
+              <a:schemeClr val="bg1"/>
+            </a:solidFill>
+          </a:ln>
+        </p:spPr>
+        <p:style>
+          <a:lnRef idx="2">
+            <a:schemeClr val="accent1">
+              <a:shade val="15000"/>
+            </a:schemeClr>
+          </a:lnRef>
+          <a:fillRef idx="1">
+            <a:schemeClr val="accent1"/>
+          </a:fillRef>
+          <a:effectRef idx="0">
+            <a:schemeClr val="accent1"/>
+          </a:effectRef>
+          <a:fontRef idx="minor">
+            <a:schemeClr val="lt1"/>
+          </a:fontRef>
+        </p:style>
+        <p:txBody>
+          <a:bodyPr rtlCol="0" anchor="ctr"/>
+          <a:lstStyle/>
+          <a:p>
+            <a:pPr algn="ctr"/>
+            <a:endParaRPr lang="it-IT"/>
+          </a:p>
+        </p:txBody>
+      </p:sp>
+      <p:sp>
+        <p:nvSpPr>
+          <p:cNvPr id="3" name="Google Shape;290;p42">
+            <a:extLst>
+              <a:ext uri="{FF2B5EF4-FFF2-40B4-BE49-F238E27FC236}">
+                <a16:creationId xmlns:a16="http://schemas.microsoft.com/office/drawing/2014/main" id="{62B27FB6-00D9-5F6D-1AD5-B4DC002688A1}"/>
+              </a:ext>
+            </a:extLst>
+          </p:cNvPr>
+          <p:cNvSpPr txBox="1">
+            <a:spLocks/>
+          </p:cNvSpPr>
+          <p:nvPr/>
+        </p:nvSpPr>
+        <p:spPr>
+          <a:xfrm>
+            <a:off x="1593722" y="4086807"/>
+            <a:ext cx="5956555" cy="1056693"/>
+          </a:xfrm>
+          <a:prstGeom prst="rect">
+            <a:avLst/>
+          </a:prstGeom>
+          <a:noFill/>
+          <a:ln>
+            <a:noFill/>
+          </a:ln>
+        </p:spPr>
+        <p:txBody>
+          <a:bodyPr spcFirstLastPara="1" wrap="square" lIns="91425" tIns="91425" rIns="91425" bIns="91425" anchor="ctr" anchorCtr="0">
+            <a:noAutofit/>
+          </a:bodyPr>
+          <a:lstStyle>
+            <a:defPPr marR="0" lvl="0" algn="l" rtl="0">
+              <a:lnSpc>
+                <a:spcPct val="100000"/>
+              </a:lnSpc>
+              <a:spcBef>
+                <a:spcPts val="0"/>
+              </a:spcBef>
+              <a:spcAft>
+                <a:spcPts val="0"/>
+              </a:spcAft>
+            </a:defPPr>
+            <a:lvl1pPr marR="0" lvl="0" algn="l" rtl="0">
+              <a:lnSpc>
+                <a:spcPct val="115000"/>
+              </a:lnSpc>
+              <a:spcBef>
+                <a:spcPts val="0"/>
+              </a:spcBef>
+              <a:spcAft>
+                <a:spcPts val="0"/>
+              </a:spcAft>
+              <a:buClr>
+                <a:schemeClr val="dk1"/>
+              </a:buClr>
+              <a:buSzPts val="3600"/>
+              <a:buFont typeface="Encode Sans Semi Condensed"/>
+              <a:buNone/>
+              <a:defRPr sz="3000" b="1" i="0" u="none" strike="noStrike" cap="none">
+                <a:solidFill>
+                  <a:schemeClr val="dk1"/>
+                </a:solidFill>
+                <a:latin typeface="Encode Sans Semi Condensed"/>
+                <a:ea typeface="Encode Sans Semi Condensed"/>
+                <a:cs typeface="Encode Sans Semi Condensed"/>
+                <a:sym typeface="Encode Sans Semi Condensed"/>
+              </a:defRPr>
+            </a:lvl1pPr>
+            <a:lvl2pPr marR="0" lvl="1" algn="ctr" rtl="0">
+              <a:lnSpc>
+                <a:spcPct val="100000"/>
+              </a:lnSpc>
+              <a:spcBef>
+                <a:spcPts val="0"/>
+              </a:spcBef>
+              <a:spcAft>
+                <a:spcPts val="0"/>
+              </a:spcAft>
+              <a:buClr>
+                <a:schemeClr val="dk1"/>
+              </a:buClr>
+              <a:buSzPts val="3600"/>
+              <a:buFont typeface="Encode Sans Semi Condensed"/>
+              <a:buNone/>
+              <a:defRPr sz="3600" b="1" i="0" u="none" strike="noStrike" cap="none">
+                <a:solidFill>
+                  <a:schemeClr val="dk1"/>
+                </a:solidFill>
+                <a:latin typeface="Encode Sans Semi Condensed"/>
+                <a:ea typeface="Encode Sans Semi Condensed"/>
+                <a:cs typeface="Encode Sans Semi Condensed"/>
+                <a:sym typeface="Encode Sans Semi Condensed"/>
+              </a:defRPr>
+            </a:lvl2pPr>
+            <a:lvl3pPr marR="0" lvl="2" algn="ctr" rtl="0">
+              <a:lnSpc>
+                <a:spcPct val="100000"/>
+              </a:lnSpc>
+              <a:spcBef>
+                <a:spcPts val="0"/>
+              </a:spcBef>
+              <a:spcAft>
+                <a:spcPts val="0"/>
+              </a:spcAft>
+              <a:buClr>
+                <a:schemeClr val="dk1"/>
+              </a:buClr>
+              <a:buSzPts val="3600"/>
+              <a:buFont typeface="Encode Sans Semi Condensed"/>
+              <a:buNone/>
+              <a:defRPr sz="3600" b="1" i="0" u="none" strike="noStrike" cap="none">
+                <a:solidFill>
+                  <a:schemeClr val="dk1"/>
+                </a:solidFill>
+                <a:latin typeface="Encode Sans Semi Condensed"/>
+                <a:ea typeface="Encode Sans Semi Condensed"/>
+                <a:cs typeface="Encode Sans Semi Condensed"/>
+                <a:sym typeface="Encode Sans Semi Condensed"/>
+              </a:defRPr>
+            </a:lvl3pPr>
+            <a:lvl4pPr marR="0" lvl="3" algn="ctr" rtl="0">
+              <a:lnSpc>
+                <a:spcPct val="100000"/>
+              </a:lnSpc>
+              <a:spcBef>
+                <a:spcPts val="0"/>
+              </a:spcBef>
+              <a:spcAft>
+                <a:spcPts val="0"/>
+              </a:spcAft>
+              <a:buClr>
+                <a:schemeClr val="dk1"/>
+              </a:buClr>
+              <a:buSzPts val="3600"/>
+              <a:buFont typeface="Encode Sans Semi Condensed"/>
+              <a:buNone/>
+              <a:defRPr sz="3600" b="1" i="0" u="none" strike="noStrike" cap="none">
+                <a:solidFill>
+                  <a:schemeClr val="dk1"/>
+                </a:solidFill>
+                <a:latin typeface="Encode Sans Semi Condensed"/>
+                <a:ea typeface="Encode Sans Semi Condensed"/>
+                <a:cs typeface="Encode Sans Semi Condensed"/>
+                <a:sym typeface="Encode Sans Semi Condensed"/>
+              </a:defRPr>
+            </a:lvl4pPr>
+            <a:lvl5pPr marR="0" lvl="4" algn="ctr" rtl="0">
+              <a:lnSpc>
+                <a:spcPct val="100000"/>
+              </a:lnSpc>
+              <a:spcBef>
+                <a:spcPts val="0"/>
+              </a:spcBef>
+              <a:spcAft>
+                <a:spcPts val="0"/>
+              </a:spcAft>
+              <a:buClr>
+                <a:schemeClr val="dk1"/>
+              </a:buClr>
+              <a:buSzPts val="3600"/>
+              <a:buFont typeface="Encode Sans Semi Condensed"/>
+              <a:buNone/>
+              <a:defRPr sz="3600" b="1" i="0" u="none" strike="noStrike" cap="none">
+                <a:solidFill>
+                  <a:schemeClr val="dk1"/>
+                </a:solidFill>
+                <a:latin typeface="Encode Sans Semi Condensed"/>
+                <a:ea typeface="Encode Sans Semi Condensed"/>
+                <a:cs typeface="Encode Sans Semi Condensed"/>
+                <a:sym typeface="Encode Sans Semi Condensed"/>
+              </a:defRPr>
+            </a:lvl5pPr>
+            <a:lvl6pPr marR="0" lvl="5" algn="ctr" rtl="0">
+              <a:lnSpc>
+                <a:spcPct val="100000"/>
+              </a:lnSpc>
+              <a:spcBef>
+                <a:spcPts val="0"/>
+              </a:spcBef>
+              <a:spcAft>
+                <a:spcPts val="0"/>
+              </a:spcAft>
+              <a:buClr>
+                <a:schemeClr val="dk1"/>
+              </a:buClr>
+              <a:buSzPts val="3600"/>
+              <a:buFont typeface="Encode Sans Semi Condensed"/>
+              <a:buNone/>
+              <a:defRPr sz="3600" b="1" i="0" u="none" strike="noStrike" cap="none">
+                <a:solidFill>
+                  <a:schemeClr val="dk1"/>
+                </a:solidFill>
+                <a:latin typeface="Encode Sans Semi Condensed"/>
+                <a:ea typeface="Encode Sans Semi Condensed"/>
+                <a:cs typeface="Encode Sans Semi Condensed"/>
+                <a:sym typeface="Encode Sans Semi Condensed"/>
+              </a:defRPr>
+            </a:lvl6pPr>
+            <a:lvl7pPr marR="0" lvl="6" algn="ctr" rtl="0">
+              <a:lnSpc>
+                <a:spcPct val="100000"/>
+              </a:lnSpc>
+              <a:spcBef>
+                <a:spcPts val="0"/>
+              </a:spcBef>
+              <a:spcAft>
+                <a:spcPts val="0"/>
+              </a:spcAft>
+              <a:buClr>
+                <a:schemeClr val="dk1"/>
+              </a:buClr>
+              <a:buSzPts val="3600"/>
+              <a:buFont typeface="Encode Sans Semi Condensed"/>
+              <a:buNone/>
+              <a:defRPr sz="3600" b="1" i="0" u="none" strike="noStrike" cap="none">
+                <a:solidFill>
+                  <a:schemeClr val="dk1"/>
+                </a:solidFill>
+                <a:latin typeface="Encode Sans Semi Condensed"/>
+                <a:ea typeface="Encode Sans Semi Condensed"/>
+                <a:cs typeface="Encode Sans Semi Condensed"/>
+                <a:sym typeface="Encode Sans Semi Condensed"/>
+              </a:defRPr>
+            </a:lvl7pPr>
+            <a:lvl8pPr marR="0" lvl="7" algn="ctr" rtl="0">
+              <a:lnSpc>
+                <a:spcPct val="100000"/>
+              </a:lnSpc>
+              <a:spcBef>
+                <a:spcPts val="0"/>
+              </a:spcBef>
+              <a:spcAft>
+                <a:spcPts val="0"/>
+              </a:spcAft>
+              <a:buClr>
+                <a:schemeClr val="dk1"/>
+              </a:buClr>
+              <a:buSzPts val="3600"/>
+              <a:buFont typeface="Encode Sans Semi Condensed"/>
+              <a:buNone/>
+              <a:defRPr sz="3600" b="1" i="0" u="none" strike="noStrike" cap="none">
+                <a:solidFill>
+                  <a:schemeClr val="dk1"/>
+                </a:solidFill>
+                <a:latin typeface="Encode Sans Semi Condensed"/>
+                <a:ea typeface="Encode Sans Semi Condensed"/>
+                <a:cs typeface="Encode Sans Semi Condensed"/>
+                <a:sym typeface="Encode Sans Semi Condensed"/>
+              </a:defRPr>
+            </a:lvl8pPr>
+            <a:lvl9pPr marR="0" lvl="8" algn="ctr" rtl="0">
+              <a:lnSpc>
+                <a:spcPct val="100000"/>
+              </a:lnSpc>
+              <a:spcBef>
+                <a:spcPts val="0"/>
+              </a:spcBef>
+              <a:spcAft>
+                <a:spcPts val="0"/>
+              </a:spcAft>
+              <a:buClr>
+                <a:schemeClr val="dk1"/>
+              </a:buClr>
+              <a:buSzPts val="3600"/>
+              <a:buFont typeface="Encode Sans Semi Condensed"/>
+              <a:buNone/>
+              <a:defRPr sz="3600" b="1" i="0" u="none" strike="noStrike" cap="none">
+                <a:solidFill>
+                  <a:schemeClr val="dk1"/>
+                </a:solidFill>
+                <a:latin typeface="Encode Sans Semi Condensed"/>
+                <a:ea typeface="Encode Sans Semi Condensed"/>
+                <a:cs typeface="Encode Sans Semi Condensed"/>
+                <a:sym typeface="Encode Sans Semi Condensed"/>
+              </a:defRPr>
+            </a:lvl9pPr>
+          </a:lstStyle>
+          <a:p>
+            <a:pPr algn="ctr"/>
+            <a:r>
+              <a:rPr lang="en" sz="2800" dirty="0">
+                <a:solidFill>
+                  <a:srgbClr val="FCFCFC"/>
+                </a:solidFill>
+              </a:rPr>
+              <a:t>Facebook</a:t>
+            </a:r>
+            <a:endParaRPr lang="it-IT" sz="2800" dirty="0">
+              <a:solidFill>
+                <a:srgbClr val="FCFCFC"/>
+              </a:solidFill>
+            </a:endParaRPr>
+          </a:p>
+        </p:txBody>
+      </p:sp>
+      <mc:AlternateContent xmlns:mc="http://schemas.openxmlformats.org/markup-compatibility/2006" xmlns:p14="http://schemas.microsoft.com/office/powerpoint/2010/main">
+        <mc:Choice Requires="p14">
+          <p:contentPart p14:bwMode="auto" r:id="rId3">
+            <p14:nvContentPartPr>
+              <p14:cNvPr id="4" name="Input penna 3">
+                <a:extLst>
+                  <a:ext uri="{FF2B5EF4-FFF2-40B4-BE49-F238E27FC236}">
+                    <a16:creationId xmlns:a16="http://schemas.microsoft.com/office/drawing/2014/main" id="{77F0329B-01FE-25CA-436B-C5A41DF07E06}"/>
+                  </a:ext>
+                </a:extLst>
+              </p14:cNvPr>
+              <p14:cNvContentPartPr/>
+              <p14:nvPr/>
+            </p14:nvContentPartPr>
+            <p14:xfrm>
+              <a:off x="3769885" y="1525978"/>
+              <a:ext cx="82440" cy="229320"/>
+            </p14:xfrm>
+          </p:contentPart>
+        </mc:Choice>
+        <mc:Fallback xmlns="">
+          <p:pic>
+            <p:nvPicPr>
+              <p:cNvPr id="4" name="Input penna 3">
+                <a:extLst>
+                  <a:ext uri="{FF2B5EF4-FFF2-40B4-BE49-F238E27FC236}">
+                    <a16:creationId xmlns:a16="http://schemas.microsoft.com/office/drawing/2014/main" id="{77F0329B-01FE-25CA-436B-C5A41DF07E06}"/>
+                  </a:ext>
+                </a:extLst>
+              </p:cNvPr>
+              <p:cNvPicPr/>
+              <p:nvPr/>
+            </p:nvPicPr>
+            <p:blipFill>
+              <a:blip r:embed="rId4"/>
+              <a:stretch>
+                <a:fillRect/>
+              </a:stretch>
+            </p:blipFill>
+            <p:spPr>
+              <a:xfrm>
+                <a:off x="3761245" y="1516978"/>
+                <a:ext cx="100080" cy="246960"/>
+              </a:xfrm>
+              <a:prstGeom prst="rect">
+                <a:avLst/>
+              </a:prstGeom>
+            </p:spPr>
+          </p:pic>
+        </mc:Fallback>
+      </mc:AlternateContent>
+      <p:pic>
+        <p:nvPicPr>
+          <p:cNvPr id="6" name="Immagine 5">
+            <a:extLst>
+              <a:ext uri="{FF2B5EF4-FFF2-40B4-BE49-F238E27FC236}">
+                <a16:creationId xmlns:a16="http://schemas.microsoft.com/office/drawing/2014/main" id="{8DFB2747-34BB-8F0A-02DC-47FD3E69AB8C}"/>
+              </a:ext>
+            </a:extLst>
+          </p:cNvPr>
+          <p:cNvPicPr>
+            <a:picLocks noChangeAspect="1"/>
+          </p:cNvPicPr>
+          <p:nvPr/>
+        </p:nvPicPr>
+        <p:blipFill rotWithShape="1">
+          <a:blip r:embed="rId5"/>
+          <a:srcRect l="3687" t="9986" r="2734" b="61157"/>
+          <a:stretch/>
+        </p:blipFill>
+        <p:spPr>
+          <a:xfrm>
+            <a:off x="440547" y="850771"/>
+            <a:ext cx="2829860" cy="1939150"/>
+          </a:xfrm>
+          <a:prstGeom prst="rect">
+            <a:avLst/>
+          </a:prstGeom>
+        </p:spPr>
+      </p:pic>
+      <p:sp>
+        <p:nvSpPr>
+          <p:cNvPr id="7" name="CasellaDiTesto 6">
+            <a:extLst>
+              <a:ext uri="{FF2B5EF4-FFF2-40B4-BE49-F238E27FC236}">
+                <a16:creationId xmlns:a16="http://schemas.microsoft.com/office/drawing/2014/main" id="{17A9ABA0-908F-2E14-7071-E78FC8D7F22E}"/>
+              </a:ext>
+            </a:extLst>
+          </p:cNvPr>
+          <p:cNvSpPr txBox="1"/>
+          <p:nvPr/>
+        </p:nvSpPr>
+        <p:spPr>
+          <a:xfrm>
+            <a:off x="567304" y="2822468"/>
+            <a:ext cx="2576346" cy="230832"/>
+          </a:xfrm>
+          <a:prstGeom prst="rect">
+            <a:avLst/>
+          </a:prstGeom>
+          <a:noFill/>
+        </p:spPr>
+        <p:txBody>
+          <a:bodyPr wrap="none" rtlCol="0">
+            <a:spAutoFit/>
+          </a:bodyPr>
+          <a:lstStyle/>
+          <a:p>
+            <a:r>
+              <a:rPr lang="it-IT" sz="900" i="1" dirty="0">
+                <a:solidFill>
+                  <a:srgbClr val="192E40"/>
+                </a:solidFill>
+              </a:rPr>
+              <a:t>Recensione della app in play store Luglio 2023</a:t>
+            </a:r>
+          </a:p>
+        </p:txBody>
+      </p:sp>
+      <p:pic>
+        <p:nvPicPr>
+          <p:cNvPr id="8" name="Immagine 7">
+            <a:extLst>
+              <a:ext uri="{FF2B5EF4-FFF2-40B4-BE49-F238E27FC236}">
+                <a16:creationId xmlns:a16="http://schemas.microsoft.com/office/drawing/2014/main" id="{DCE578F7-2D01-2041-4100-DB5347BFD318}"/>
+              </a:ext>
+            </a:extLst>
+          </p:cNvPr>
+          <p:cNvPicPr>
+            <a:picLocks noChangeAspect="1"/>
+          </p:cNvPicPr>
+          <p:nvPr/>
+        </p:nvPicPr>
+        <p:blipFill rotWithShape="1">
+          <a:blip r:embed="rId6"/>
+          <a:srcRect l="2128" r="837"/>
+          <a:stretch/>
+        </p:blipFill>
+        <p:spPr>
+          <a:xfrm>
+            <a:off x="4328740" y="244443"/>
+            <a:ext cx="3758733" cy="954254"/>
+          </a:xfrm>
+          <a:prstGeom prst="rect">
+            <a:avLst/>
+          </a:prstGeom>
+        </p:spPr>
+      </p:pic>
+      <p:pic>
+        <p:nvPicPr>
+          <p:cNvPr id="10" name="Immagine 9">
+            <a:extLst>
+              <a:ext uri="{FF2B5EF4-FFF2-40B4-BE49-F238E27FC236}">
+                <a16:creationId xmlns:a16="http://schemas.microsoft.com/office/drawing/2014/main" id="{B6C66D44-23BF-31EB-C0C6-D1AA8B0AF4FE}"/>
+              </a:ext>
+            </a:extLst>
+          </p:cNvPr>
+          <p:cNvPicPr>
+            <a:picLocks noChangeAspect="1"/>
+          </p:cNvPicPr>
+          <p:nvPr/>
+        </p:nvPicPr>
+        <p:blipFill rotWithShape="1">
+          <a:blip r:embed="rId7"/>
+          <a:srcRect t="17768" b="16063"/>
+          <a:stretch/>
+        </p:blipFill>
+        <p:spPr>
+          <a:xfrm>
+            <a:off x="4328739" y="1782767"/>
+            <a:ext cx="4095885" cy="1197342"/>
+          </a:xfrm>
+          <a:prstGeom prst="rect">
+            <a:avLst/>
+          </a:prstGeom>
+        </p:spPr>
+      </p:pic>
+      <p:pic>
+        <p:nvPicPr>
+          <p:cNvPr id="14" name="Immagine 13">
+            <a:extLst>
+              <a:ext uri="{FF2B5EF4-FFF2-40B4-BE49-F238E27FC236}">
+                <a16:creationId xmlns:a16="http://schemas.microsoft.com/office/drawing/2014/main" id="{3754CABE-48AF-AE63-0EC8-2502F745BAA1}"/>
+              </a:ext>
+            </a:extLst>
+          </p:cNvPr>
+          <p:cNvPicPr>
+            <a:picLocks noChangeAspect="1"/>
+          </p:cNvPicPr>
+          <p:nvPr/>
+        </p:nvPicPr>
+        <p:blipFill>
+          <a:blip r:embed="rId8"/>
+          <a:stretch>
+            <a:fillRect/>
+          </a:stretch>
+        </p:blipFill>
+        <p:spPr>
+          <a:xfrm>
+            <a:off x="4328740" y="3038700"/>
+            <a:ext cx="4095885" cy="983012"/>
+          </a:xfrm>
+          <a:prstGeom prst="rect">
+            <a:avLst/>
+          </a:prstGeom>
+        </p:spPr>
+      </p:pic>
+      <p:sp>
+        <p:nvSpPr>
+          <p:cNvPr id="16" name="CasellaDiTesto 15">
+            <a:extLst>
+              <a:ext uri="{FF2B5EF4-FFF2-40B4-BE49-F238E27FC236}">
+                <a16:creationId xmlns:a16="http://schemas.microsoft.com/office/drawing/2014/main" id="{5102CAF1-D393-8C0F-89CF-87A2BFC97D61}"/>
+              </a:ext>
+            </a:extLst>
+          </p:cNvPr>
+          <p:cNvSpPr txBox="1"/>
+          <p:nvPr/>
+        </p:nvSpPr>
+        <p:spPr>
+          <a:xfrm>
+            <a:off x="4242337" y="1226277"/>
+            <a:ext cx="5672796" cy="307777"/>
+          </a:xfrm>
+          <a:prstGeom prst="rect">
+            <a:avLst/>
+          </a:prstGeom>
+          <a:noFill/>
+        </p:spPr>
+        <p:txBody>
+          <a:bodyPr wrap="square">
+            <a:spAutoFit/>
+          </a:bodyPr>
+          <a:lstStyle/>
+          <a:p>
+            <a:r>
+              <a:rPr lang="it-IT" sz="700" i="1" dirty="0"/>
+              <a:t>Source: </a:t>
+            </a:r>
+          </a:p>
+          <a:p>
+            <a:r>
+              <a:rPr lang="it-IT" sz="700" i="1" dirty="0"/>
+              <a:t>https://www.nbcnews.com/tech/social-media/pro-palestinian-activists-target-facebook-1-star-app-store-reviews-n1268258</a:t>
+            </a:r>
+          </a:p>
+        </p:txBody>
+      </p:sp>
+      <p:sp>
+        <p:nvSpPr>
+          <p:cNvPr id="17" name="CasellaDiTesto 16">
+            <a:extLst>
+              <a:ext uri="{FF2B5EF4-FFF2-40B4-BE49-F238E27FC236}">
+                <a16:creationId xmlns:a16="http://schemas.microsoft.com/office/drawing/2014/main" id="{D666BCC2-D24B-CCB5-1ED6-200A9C0E5584}"/>
+              </a:ext>
+            </a:extLst>
+          </p:cNvPr>
+          <p:cNvSpPr txBox="1"/>
+          <p:nvPr/>
+        </p:nvSpPr>
+        <p:spPr>
+          <a:xfrm>
+            <a:off x="3852325" y="173930"/>
+            <a:ext cx="377026" cy="369332"/>
+          </a:xfrm>
+          <a:prstGeom prst="rect">
+            <a:avLst/>
+          </a:prstGeom>
+          <a:noFill/>
+        </p:spPr>
+        <p:txBody>
+          <a:bodyPr wrap="none" rtlCol="0">
+            <a:spAutoFit/>
+          </a:bodyPr>
+          <a:lstStyle/>
+          <a:p>
+            <a:r>
+              <a:rPr lang="it-IT" sz="1800" dirty="0">
+                <a:solidFill>
+                  <a:srgbClr val="192E40"/>
+                </a:solidFill>
+              </a:rPr>
+              <a:t>1.</a:t>
+            </a:r>
+          </a:p>
+        </p:txBody>
+      </p:sp>
+      <p:sp>
+        <p:nvSpPr>
+          <p:cNvPr id="18" name="CasellaDiTesto 17">
+            <a:extLst>
+              <a:ext uri="{FF2B5EF4-FFF2-40B4-BE49-F238E27FC236}">
+                <a16:creationId xmlns:a16="http://schemas.microsoft.com/office/drawing/2014/main" id="{7B0525D7-D11A-ECF9-1836-D27A5767B5F9}"/>
+              </a:ext>
+            </a:extLst>
+          </p:cNvPr>
+          <p:cNvSpPr txBox="1"/>
+          <p:nvPr/>
+        </p:nvSpPr>
+        <p:spPr>
+          <a:xfrm>
+            <a:off x="3852171" y="1782767"/>
+            <a:ext cx="377026" cy="369332"/>
+          </a:xfrm>
+          <a:prstGeom prst="rect">
+            <a:avLst/>
+          </a:prstGeom>
+          <a:noFill/>
+        </p:spPr>
+        <p:txBody>
+          <a:bodyPr wrap="none" rtlCol="0">
+            <a:spAutoFit/>
+          </a:bodyPr>
+          <a:lstStyle/>
+          <a:p>
+            <a:r>
+              <a:rPr lang="it-IT" sz="1800" dirty="0">
+                <a:solidFill>
+                  <a:srgbClr val="192E40"/>
+                </a:solidFill>
+              </a:rPr>
+              <a:t>2.</a:t>
+            </a:r>
+          </a:p>
+        </p:txBody>
+      </p:sp>
+    </p:spTree>
+    <p:extLst>
+      <p:ext uri="{BB962C8B-B14F-4D97-AF65-F5344CB8AC3E}">
+        <p14:creationId xmlns:p14="http://schemas.microsoft.com/office/powerpoint/2010/main" val="1943322870"/>
+      </p:ext>
+    </p:extLst>
+  </p:cSld>
+  <p:clrMapOvr>
+    <a:masterClrMapping/>
+  </p:clrMapOvr>
+</p:sld>
+</file>
+
+<file path=ppt/slides/slide35.xml><?xml version="1.0" encoding="utf-8"?>
 <p:sld xmlns:a="http://schemas.openxmlformats.org/drawingml/2006/main" xmlns:r="http://schemas.openxmlformats.org/officeDocument/2006/relationships" xmlns:p="http://schemas.openxmlformats.org/presentationml/2006/main">
   <p:cSld>
     <p:spTree>

--- a/PlayStore.pptx
+++ b/PlayStore.pptx
@@ -9279,36 +9279,6 @@
           <a:chExt cx="0" cy="0"/>
         </a:xfrm>
       </p:grpSpPr>
-      <p:pic>
-        <p:nvPicPr>
-          <p:cNvPr id="4" name="Immagine 3" descr="Immagine che contiene schermata, Rettangolo, testo, software&#10;&#10;Descrizione generata automaticamente">
-            <a:extLst>
-              <a:ext uri="{FF2B5EF4-FFF2-40B4-BE49-F238E27FC236}">
-                <a16:creationId xmlns:a16="http://schemas.microsoft.com/office/drawing/2014/main" id="{FC35561A-817C-43A3-5638-726DC46D9F22}"/>
-              </a:ext>
-            </a:extLst>
-          </p:cNvPr>
-          <p:cNvPicPr>
-            <a:picLocks noChangeAspect="1"/>
-          </p:cNvPicPr>
-          <p:nvPr/>
-        </p:nvPicPr>
-        <p:blipFill>
-          <a:blip r:embed="rId3"/>
-          <a:stretch>
-            <a:fillRect/>
-          </a:stretch>
-        </p:blipFill>
-        <p:spPr>
-          <a:xfrm>
-            <a:off x="2932254" y="153821"/>
-            <a:ext cx="6218298" cy="4240112"/>
-          </a:xfrm>
-          <a:prstGeom prst="rect">
-            <a:avLst/>
-          </a:prstGeom>
-        </p:spPr>
-      </p:pic>
       <p:sp>
         <p:nvSpPr>
           <p:cNvPr id="5" name="CasellaDiTesto 4">
@@ -9450,6 +9420,36 @@
           </a:p>
         </p:txBody>
       </p:sp>
+      <p:pic>
+        <p:nvPicPr>
+          <p:cNvPr id="3" name="Immagine 2" descr="Immagine che contiene schermata, Rettangolo, testo, linea&#10;&#10;Descrizione generata automaticamente">
+            <a:extLst>
+              <a:ext uri="{FF2B5EF4-FFF2-40B4-BE49-F238E27FC236}">
+                <a16:creationId xmlns:a16="http://schemas.microsoft.com/office/drawing/2014/main" id="{F55E5FF8-51E5-671C-9087-2DADEF2F147D}"/>
+              </a:ext>
+            </a:extLst>
+          </p:cNvPr>
+          <p:cNvPicPr>
+            <a:picLocks noChangeAspect="1"/>
+          </p:cNvPicPr>
+          <p:nvPr/>
+        </p:nvPicPr>
+        <p:blipFill>
+          <a:blip r:embed="rId3"/>
+          <a:stretch>
+            <a:fillRect/>
+          </a:stretch>
+        </p:blipFill>
+        <p:spPr>
+          <a:xfrm>
+            <a:off x="2932254" y="141096"/>
+            <a:ext cx="6191220" cy="4221648"/>
+          </a:xfrm>
+          <a:prstGeom prst="rect">
+            <a:avLst/>
+          </a:prstGeom>
+        </p:spPr>
+      </p:pic>
     </p:spTree>
     <p:extLst>
       <p:ext uri="{BB962C8B-B14F-4D97-AF65-F5344CB8AC3E}">
@@ -9529,36 +9529,6 @@
           </a:p>
         </p:txBody>
       </p:sp>
-      <p:pic>
-        <p:nvPicPr>
-          <p:cNvPr id="5" name="Immagine 4" descr="Immagine che contiene testo, schermata, numero, Policromia&#10;&#10;Descrizione generata automaticamente">
-            <a:extLst>
-              <a:ext uri="{FF2B5EF4-FFF2-40B4-BE49-F238E27FC236}">
-                <a16:creationId xmlns:a16="http://schemas.microsoft.com/office/drawing/2014/main" id="{EEC17880-6267-BFEA-F998-3FDA03CF871C}"/>
-              </a:ext>
-            </a:extLst>
-          </p:cNvPr>
-          <p:cNvPicPr>
-            <a:picLocks noChangeAspect="1"/>
-          </p:cNvPicPr>
-          <p:nvPr/>
-        </p:nvPicPr>
-        <p:blipFill>
-          <a:blip r:embed="rId3"/>
-          <a:stretch>
-            <a:fillRect/>
-          </a:stretch>
-        </p:blipFill>
-        <p:spPr>
-          <a:xfrm>
-            <a:off x="2963206" y="155642"/>
-            <a:ext cx="6180794" cy="4013621"/>
-          </a:xfrm>
-          <a:prstGeom prst="rect">
-            <a:avLst/>
-          </a:prstGeom>
-        </p:spPr>
-      </p:pic>
       <p:sp>
         <p:nvSpPr>
           <p:cNvPr id="6" name="CasellaDiTesto 5">
@@ -9598,6 +9568,36 @@
           </a:p>
         </p:txBody>
       </p:sp>
+      <p:pic>
+        <p:nvPicPr>
+          <p:cNvPr id="3" name="Immagine 2" descr="Immagine che contiene testo, schermata, Policromia, numero&#10;&#10;Descrizione generata automaticamente">
+            <a:extLst>
+              <a:ext uri="{FF2B5EF4-FFF2-40B4-BE49-F238E27FC236}">
+                <a16:creationId xmlns:a16="http://schemas.microsoft.com/office/drawing/2014/main" id="{23FBF93E-8F55-C211-B699-6639E060DD27}"/>
+              </a:ext>
+            </a:extLst>
+          </p:cNvPr>
+          <p:cNvPicPr>
+            <a:picLocks noChangeAspect="1"/>
+          </p:cNvPicPr>
+          <p:nvPr/>
+        </p:nvPicPr>
+        <p:blipFill>
+          <a:blip r:embed="rId3"/>
+          <a:stretch>
+            <a:fillRect/>
+          </a:stretch>
+        </p:blipFill>
+        <p:spPr>
+          <a:xfrm>
+            <a:off x="2867041" y="320388"/>
+            <a:ext cx="6276959" cy="4016520"/>
+          </a:xfrm>
+          <a:prstGeom prst="rect">
+            <a:avLst/>
+          </a:prstGeom>
+        </p:spPr>
+      </p:pic>
     </p:spTree>
     <p:extLst>
       <p:ext uri="{BB962C8B-B14F-4D97-AF65-F5344CB8AC3E}">
@@ -10039,36 +10039,6 @@
           </a:p>
         </p:txBody>
       </p:sp>
-      <p:pic>
-        <p:nvPicPr>
-          <p:cNvPr id="4" name="Immagine 3" descr="Immagine che contiene schermata, Rettangolo, testo, Policromia&#10;&#10;Descrizione generata automaticamente">
-            <a:extLst>
-              <a:ext uri="{FF2B5EF4-FFF2-40B4-BE49-F238E27FC236}">
-                <a16:creationId xmlns:a16="http://schemas.microsoft.com/office/drawing/2014/main" id="{60CE3D39-6372-EEEE-C91E-93F825EDC182}"/>
-              </a:ext>
-            </a:extLst>
-          </p:cNvPr>
-          <p:cNvPicPr>
-            <a:picLocks noChangeAspect="1"/>
-          </p:cNvPicPr>
-          <p:nvPr/>
-        </p:nvPicPr>
-        <p:blipFill>
-          <a:blip r:embed="rId3"/>
-          <a:stretch>
-            <a:fillRect/>
-          </a:stretch>
-        </p:blipFill>
-        <p:spPr>
-          <a:xfrm>
-            <a:off x="2932254" y="106296"/>
-            <a:ext cx="6211746" cy="4432187"/>
-          </a:xfrm>
-          <a:prstGeom prst="rect">
-            <a:avLst/>
-          </a:prstGeom>
-        </p:spPr>
-      </p:pic>
       <p:sp>
         <p:nvSpPr>
           <p:cNvPr id="5" name="CasellaDiTesto 4">
@@ -10127,6 +10097,36 @@
           </a:p>
         </p:txBody>
       </p:sp>
+      <p:pic>
+        <p:nvPicPr>
+          <p:cNvPr id="3" name="Immagine 2" descr="Immagine che contiene schermata, Rettangolo, testo, Policromia&#10;&#10;Descrizione generata automaticamente">
+            <a:extLst>
+              <a:ext uri="{FF2B5EF4-FFF2-40B4-BE49-F238E27FC236}">
+                <a16:creationId xmlns:a16="http://schemas.microsoft.com/office/drawing/2014/main" id="{336E9B29-34F2-DABA-AB6F-25CD652F40FA}"/>
+              </a:ext>
+            </a:extLst>
+          </p:cNvPr>
+          <p:cNvPicPr>
+            <a:picLocks noChangeAspect="1"/>
+          </p:cNvPicPr>
+          <p:nvPr/>
+        </p:nvPicPr>
+        <p:blipFill>
+          <a:blip r:embed="rId3"/>
+          <a:stretch>
+            <a:fillRect/>
+          </a:stretch>
+        </p:blipFill>
+        <p:spPr>
+          <a:xfrm>
+            <a:off x="2932254" y="106296"/>
+            <a:ext cx="6211746" cy="4432187"/>
+          </a:xfrm>
+          <a:prstGeom prst="rect">
+            <a:avLst/>
+          </a:prstGeom>
+        </p:spPr>
+      </p:pic>
     </p:spTree>
     <p:extLst>
       <p:ext uri="{BB962C8B-B14F-4D97-AF65-F5344CB8AC3E}">
@@ -10289,36 +10289,6 @@
           <a:chExt cx="0" cy="0"/>
         </a:xfrm>
       </p:grpSpPr>
-      <p:pic>
-        <p:nvPicPr>
-          <p:cNvPr id="6" name="Immagine 5" descr="Immagine che contiene schermata, testo, Rettangolo, Policromia&#10;&#10;Descrizione generata automaticamente">
-            <a:extLst>
-              <a:ext uri="{FF2B5EF4-FFF2-40B4-BE49-F238E27FC236}">
-                <a16:creationId xmlns:a16="http://schemas.microsoft.com/office/drawing/2014/main" id="{844BE42E-BA04-ED14-85F1-2BD55170F9FB}"/>
-              </a:ext>
-            </a:extLst>
-          </p:cNvPr>
-          <p:cNvPicPr>
-            <a:picLocks noChangeAspect="1"/>
-          </p:cNvPicPr>
-          <p:nvPr/>
-        </p:nvPicPr>
-        <p:blipFill>
-          <a:blip r:embed="rId3"/>
-          <a:stretch>
-            <a:fillRect/>
-          </a:stretch>
-        </p:blipFill>
-        <p:spPr>
-          <a:xfrm>
-            <a:off x="2987255" y="116239"/>
-            <a:ext cx="6156745" cy="4425682"/>
-          </a:xfrm>
-          <a:prstGeom prst="rect">
-            <a:avLst/>
-          </a:prstGeom>
-        </p:spPr>
-      </p:pic>
       <p:sp>
         <p:nvSpPr>
           <p:cNvPr id="7" name="CasellaDiTesto 6">
@@ -10357,14 +10327,6 @@
             </a:r>
           </a:p>
           <a:p>
-            <a:r>
-              <a:rPr lang="it-IT" b="1" dirty="0">
-                <a:solidFill>
-                  <a:srgbClr val="192E40"/>
-                </a:solidFill>
-              </a:rPr>
-              <a:t>Word, </a:t>
-            </a:r>
             <a:r>
               <a:rPr lang="it-IT" b="1" dirty="0" err="1">
                 <a:solidFill>
@@ -10449,6 +10411,36 @@
           </a:p>
         </p:txBody>
       </p:sp>
+      <p:pic>
+        <p:nvPicPr>
+          <p:cNvPr id="3" name="Immagine 2" descr="Immagine che contiene schermata, testo, Rettangolo, Policromia&#10;&#10;Descrizione generata automaticamente">
+            <a:extLst>
+              <a:ext uri="{FF2B5EF4-FFF2-40B4-BE49-F238E27FC236}">
+                <a16:creationId xmlns:a16="http://schemas.microsoft.com/office/drawing/2014/main" id="{14A49B8E-71ED-8FF1-E997-0B9B37E8FC2F}"/>
+              </a:ext>
+            </a:extLst>
+          </p:cNvPr>
+          <p:cNvPicPr>
+            <a:picLocks noChangeAspect="1"/>
+          </p:cNvPicPr>
+          <p:nvPr/>
+        </p:nvPicPr>
+        <p:blipFill>
+          <a:blip r:embed="rId3"/>
+          <a:stretch>
+            <a:fillRect/>
+          </a:stretch>
+        </p:blipFill>
+        <p:spPr>
+          <a:xfrm>
+            <a:off x="2907000" y="81384"/>
+            <a:ext cx="6237000" cy="4483371"/>
+          </a:xfrm>
+          <a:prstGeom prst="rect">
+            <a:avLst/>
+          </a:prstGeom>
+        </p:spPr>
+      </p:pic>
     </p:spTree>
     <p:extLst>
       <p:ext uri="{BB962C8B-B14F-4D97-AF65-F5344CB8AC3E}">
@@ -12380,36 +12372,6 @@
           </a:p>
         </p:txBody>
       </p:sp>
-      <p:pic>
-        <p:nvPicPr>
-          <p:cNvPr id="7" name="Immagine 6" descr="Immagine che contiene schermata, testo, Policromia, Rettangolo&#10;&#10;Descrizione generata automaticamente">
-            <a:extLst>
-              <a:ext uri="{FF2B5EF4-FFF2-40B4-BE49-F238E27FC236}">
-                <a16:creationId xmlns:a16="http://schemas.microsoft.com/office/drawing/2014/main" id="{56CA6490-3F88-5B2F-1955-C58E1B32FA84}"/>
-              </a:ext>
-            </a:extLst>
-          </p:cNvPr>
-          <p:cNvPicPr>
-            <a:picLocks noChangeAspect="1"/>
-          </p:cNvPicPr>
-          <p:nvPr/>
-        </p:nvPicPr>
-        <p:blipFill>
-          <a:blip r:embed="rId3"/>
-          <a:stretch>
-            <a:fillRect/>
-          </a:stretch>
-        </p:blipFill>
-        <p:spPr>
-          <a:xfrm>
-            <a:off x="3073323" y="76758"/>
-            <a:ext cx="5422977" cy="4467737"/>
-          </a:xfrm>
-          <a:prstGeom prst="rect">
-            <a:avLst/>
-          </a:prstGeom>
-        </p:spPr>
-      </p:pic>
       <p:sp>
         <p:nvSpPr>
           <p:cNvPr id="8" name="CasellaDiTesto 7">
@@ -12425,7 +12387,7 @@
         <p:spPr>
           <a:xfrm>
             <a:off x="3558403" y="4544495"/>
-            <a:ext cx="5097870" cy="523220"/>
+            <a:ext cx="4679486" cy="523220"/>
           </a:xfrm>
           <a:prstGeom prst="rect">
             <a:avLst/>
@@ -12470,11 +12432,40 @@
                   <a:srgbClr val="192E40"/>
                 </a:solidFill>
               </a:rPr>
-              <a:t>, Books &amp; Reference, Music, Word</a:t>
+              <a:t>, Books &amp; Reference, Music</a:t>
             </a:r>
           </a:p>
         </p:txBody>
       </p:sp>
+      <p:pic>
+        <p:nvPicPr>
+          <p:cNvPr id="4" name="Immagine 3" descr="Immagine che contiene testo, schermata, Policromia, Rettangolo&#10;&#10;Descrizione generata automaticamente">
+            <a:extLst>
+              <a:ext uri="{FF2B5EF4-FFF2-40B4-BE49-F238E27FC236}">
+                <a16:creationId xmlns:a16="http://schemas.microsoft.com/office/drawing/2014/main" id="{7E96D8F4-E260-AC31-B6A3-53022F5FF645}"/>
+              </a:ext>
+            </a:extLst>
+          </p:cNvPr>
+          <p:cNvPicPr>
+            <a:picLocks noChangeAspect="1"/>
+          </p:cNvPicPr>
+          <p:nvPr/>
+        </p:nvPicPr>
+        <p:blipFill rotWithShape="1">
+          <a:blip r:embed="rId3"/>
+          <a:srcRect l="2547" b="2753"/>
+          <a:stretch/>
+        </p:blipFill>
+        <p:spPr>
+          <a:xfrm>
+            <a:off x="3144128" y="0"/>
+            <a:ext cx="5604073" cy="4607169"/>
+          </a:xfrm>
+          <a:prstGeom prst="rect">
+            <a:avLst/>
+          </a:prstGeom>
+        </p:spPr>
+      </p:pic>
     </p:spTree>
     <p:extLst>
       <p:ext uri="{BB962C8B-B14F-4D97-AF65-F5344CB8AC3E}">
@@ -19936,10 +19927,10 @@
       </p:sp>
       <p:pic>
         <p:nvPicPr>
-          <p:cNvPr id="11" name="Immagine 10" descr="Immagine che contiene schermata, Policromia, Rettangolo, linea&#10;&#10;Descrizione generata automaticamente">
+          <p:cNvPr id="3" name="Immagine 2" descr="Immagine che contiene schermata, Policromia, Rettangolo, linea&#10;&#10;Descrizione generata automaticamente">
             <a:extLst>
               <a:ext uri="{FF2B5EF4-FFF2-40B4-BE49-F238E27FC236}">
-                <a16:creationId xmlns:a16="http://schemas.microsoft.com/office/drawing/2014/main" id="{44044B6A-0E68-82A1-6885-C7874B85DD0C}"/>
+                <a16:creationId xmlns:a16="http://schemas.microsoft.com/office/drawing/2014/main" id="{B2E62480-584F-43B7-732D-E9CD96A26799}"/>
               </a:ext>
             </a:extLst>
           </p:cNvPr>
@@ -19956,8 +19947,8 @@
         </p:blipFill>
         <p:spPr>
           <a:xfrm>
-            <a:off x="3061809" y="0"/>
-            <a:ext cx="5921713" cy="5143500"/>
+            <a:off x="2938423" y="145073"/>
+            <a:ext cx="6069534" cy="4853354"/>
           </a:xfrm>
           <a:prstGeom prst="rect">
             <a:avLst/>
@@ -20042,10 +20033,10 @@
       </p:sp>
       <p:pic>
         <p:nvPicPr>
-          <p:cNvPr id="3" name="Immagine 2" descr="Immagine che contiene testo, schermata, diagramma, Policromia&#10;&#10;Descrizione generata automaticamente">
+          <p:cNvPr id="4" name="Immagine 3" descr="Immagine che contiene testo, cerchio, Policromia, schermata&#10;&#10;Descrizione generata automaticamente">
             <a:extLst>
               <a:ext uri="{FF2B5EF4-FFF2-40B4-BE49-F238E27FC236}">
-                <a16:creationId xmlns:a16="http://schemas.microsoft.com/office/drawing/2014/main" id="{53161E06-0D1B-B434-BEFE-87C9D1CC2D05}"/>
+                <a16:creationId xmlns:a16="http://schemas.microsoft.com/office/drawing/2014/main" id="{1A652FBE-A2B4-E630-E013-8A73724A7AF0}"/>
               </a:ext>
             </a:extLst>
           </p:cNvPr>
@@ -20062,14 +20053,103 @@
         </p:blipFill>
         <p:spPr>
           <a:xfrm>
-            <a:off x="3437595" y="116878"/>
-            <a:ext cx="5286577" cy="5195064"/>
+            <a:off x="3043452" y="0"/>
+            <a:ext cx="5742878" cy="5143500"/>
           </a:xfrm>
           <a:prstGeom prst="rect">
             <a:avLst/>
           </a:prstGeom>
         </p:spPr>
       </p:pic>
+      <p:sp>
+        <p:nvSpPr>
+          <p:cNvPr id="14" name="Ovale 13">
+            <a:extLst>
+              <a:ext uri="{FF2B5EF4-FFF2-40B4-BE49-F238E27FC236}">
+                <a16:creationId xmlns:a16="http://schemas.microsoft.com/office/drawing/2014/main" id="{1C02BCD3-9FE2-38EC-15D8-E318DCE7ED9F}"/>
+              </a:ext>
+            </a:extLst>
+          </p:cNvPr>
+          <p:cNvSpPr/>
+          <p:nvPr/>
+        </p:nvSpPr>
+        <p:spPr>
+          <a:xfrm>
+            <a:off x="7272997" y="4346917"/>
+            <a:ext cx="393895" cy="464234"/>
+          </a:xfrm>
+          <a:prstGeom prst="ellipse">
+            <a:avLst/>
+          </a:prstGeom>
+          <a:solidFill>
+            <a:srgbClr val="FCFCFC"/>
+          </a:solidFill>
+          <a:ln>
+            <a:solidFill>
+              <a:srgbClr val="FCFCFC"/>
+            </a:solidFill>
+          </a:ln>
+        </p:spPr>
+        <p:style>
+          <a:lnRef idx="2">
+            <a:schemeClr val="accent1">
+              <a:shade val="15000"/>
+            </a:schemeClr>
+          </a:lnRef>
+          <a:fillRef idx="1">
+            <a:schemeClr val="accent1"/>
+          </a:fillRef>
+          <a:effectRef idx="0">
+            <a:schemeClr val="accent1"/>
+          </a:effectRef>
+          <a:fontRef idx="minor">
+            <a:schemeClr val="lt1"/>
+          </a:fontRef>
+        </p:style>
+        <p:txBody>
+          <a:bodyPr rtlCol="0" anchor="ctr"/>
+          <a:lstStyle/>
+          <a:p>
+            <a:pPr algn="ctr"/>
+            <a:endParaRPr lang="it-IT"/>
+          </a:p>
+        </p:txBody>
+      </p:sp>
+      <p:sp>
+        <p:nvSpPr>
+          <p:cNvPr id="15" name="CasellaDiTesto 14">
+            <a:extLst>
+              <a:ext uri="{FF2B5EF4-FFF2-40B4-BE49-F238E27FC236}">
+                <a16:creationId xmlns:a16="http://schemas.microsoft.com/office/drawing/2014/main" id="{3BBF4298-ECAF-CFF8-BE52-EAE066F6FC0E}"/>
+              </a:ext>
+            </a:extLst>
+          </p:cNvPr>
+          <p:cNvSpPr txBox="1"/>
+          <p:nvPr/>
+        </p:nvSpPr>
+        <p:spPr>
+          <a:xfrm>
+            <a:off x="7188591" y="4350479"/>
+            <a:ext cx="532518" cy="307777"/>
+          </a:xfrm>
+          <a:prstGeom prst="rect">
+            <a:avLst/>
+          </a:prstGeom>
+          <a:noFill/>
+        </p:spPr>
+        <p:txBody>
+          <a:bodyPr wrap="none" rtlCol="0">
+            <a:spAutoFit/>
+          </a:bodyPr>
+          <a:lstStyle/>
+          <a:p>
+            <a:r>
+              <a:rPr lang="it-IT" dirty="0"/>
+              <a:t>altro</a:t>
+            </a:r>
+          </a:p>
+        </p:txBody>
+      </p:sp>
     </p:spTree>
     <p:extLst>
       <p:ext uri="{BB962C8B-B14F-4D97-AF65-F5344CB8AC3E}">
